--- a/Documents/Image & capture.pptx
+++ b/Documents/Image & capture.pptx
@@ -3321,6 +3321,1073 @@
           <a:chExt cx="0" cy="0"/>
         </a:xfrm>
       </p:grpSpPr>
+      <p:sp>
+        <p:nvSpPr>
+          <p:cNvPr id="21" name="สี่เหลี่ยมผืนผ้า 20">
+            <a:extLst>
+              <a:ext uri="{FF2B5EF4-FFF2-40B4-BE49-F238E27FC236}">
+                <a16:creationId xmlns:a16="http://schemas.microsoft.com/office/drawing/2014/main" id="{6D06DDED-069A-6CAC-B05E-22B2FDBADE71}"/>
+              </a:ext>
+            </a:extLst>
+          </p:cNvPr>
+          <p:cNvSpPr/>
+          <p:nvPr/>
+        </p:nvSpPr>
+        <p:spPr>
+          <a:xfrm>
+            <a:off x="6609630" y="1950720"/>
+            <a:ext cx="2390599" cy="2519681"/>
+          </a:xfrm>
+          <a:prstGeom prst="rect">
+            <a:avLst/>
+          </a:prstGeom>
+          <a:solidFill>
+            <a:srgbClr val="F8C0FC"/>
+          </a:solidFill>
+        </p:spPr>
+        <p:style>
+          <a:lnRef idx="2">
+            <a:schemeClr val="accent1">
+              <a:shade val="50000"/>
+            </a:schemeClr>
+          </a:lnRef>
+          <a:fillRef idx="1">
+            <a:schemeClr val="accent1"/>
+          </a:fillRef>
+          <a:effectRef idx="0">
+            <a:schemeClr val="accent1"/>
+          </a:effectRef>
+          <a:fontRef idx="minor">
+            <a:schemeClr val="lt1"/>
+          </a:fontRef>
+        </p:style>
+        <p:txBody>
+          <a:bodyPr rtlCol="0" anchor="t"/>
+          <a:lstStyle/>
+          <a:p>
+            <a:pPr algn="ctr"/>
+            <a:r>
+              <a:rPr lang="en-US" sz="1800" b="0" i="0" u="none" strike="noStrike" baseline="0" dirty="0">
+                <a:solidFill>
+                  <a:srgbClr val="000000"/>
+                </a:solidFill>
+                <a:latin typeface="Calibri" panose="020F0502020204030204" pitchFamily="34" charset="0"/>
+              </a:rPr>
+              <a:t>Local repository</a:t>
+            </a:r>
+            <a:endParaRPr lang="th-TH" dirty="0"/>
+          </a:p>
+        </p:txBody>
+      </p:sp>
+      <p:sp>
+        <p:nvSpPr>
+          <p:cNvPr id="8" name="สี่เหลี่ยมผืนผ้า 7">
+            <a:extLst>
+              <a:ext uri="{FF2B5EF4-FFF2-40B4-BE49-F238E27FC236}">
+                <a16:creationId xmlns:a16="http://schemas.microsoft.com/office/drawing/2014/main" id="{5BB24482-D4CC-4479-6628-9EFB39FFA976}"/>
+              </a:ext>
+            </a:extLst>
+          </p:cNvPr>
+          <p:cNvSpPr/>
+          <p:nvPr/>
+        </p:nvSpPr>
+        <p:spPr>
+          <a:xfrm>
+            <a:off x="3921304" y="2560320"/>
+            <a:ext cx="2096219" cy="1804645"/>
+          </a:xfrm>
+          <a:prstGeom prst="rect">
+            <a:avLst/>
+          </a:prstGeom>
+          <a:solidFill>
+            <a:schemeClr val="tx2">
+              <a:lumMod val="20000"/>
+              <a:lumOff val="80000"/>
+            </a:schemeClr>
+          </a:solidFill>
+        </p:spPr>
+        <p:style>
+          <a:lnRef idx="2">
+            <a:schemeClr val="accent1">
+              <a:shade val="50000"/>
+            </a:schemeClr>
+          </a:lnRef>
+          <a:fillRef idx="1">
+            <a:schemeClr val="accent1"/>
+          </a:fillRef>
+          <a:effectRef idx="0">
+            <a:schemeClr val="accent1"/>
+          </a:effectRef>
+          <a:fontRef idx="minor">
+            <a:schemeClr val="lt1"/>
+          </a:fontRef>
+        </p:style>
+        <p:txBody>
+          <a:bodyPr rtlCol="0" anchor="t"/>
+          <a:lstStyle/>
+          <a:p>
+            <a:pPr algn="ctr"/>
+            <a:r>
+              <a:rPr lang="en-US" sz="1800" b="0" i="0" u="none" strike="noStrike" baseline="0" dirty="0">
+                <a:solidFill>
+                  <a:srgbClr val="000000"/>
+                </a:solidFill>
+                <a:latin typeface="Calibri" panose="020F0502020204030204" pitchFamily="34" charset="0"/>
+              </a:rPr>
+              <a:t>Staging area</a:t>
+            </a:r>
+            <a:endParaRPr lang="th-TH" dirty="0"/>
+          </a:p>
+        </p:txBody>
+      </p:sp>
+      <p:sp>
+        <p:nvSpPr>
+          <p:cNvPr id="12" name="สี่เหลี่ยมผืนผ้า 11">
+            <a:extLst>
+              <a:ext uri="{FF2B5EF4-FFF2-40B4-BE49-F238E27FC236}">
+                <a16:creationId xmlns:a16="http://schemas.microsoft.com/office/drawing/2014/main" id="{1491C9F5-56FA-5C9A-B200-95F405C0E5E4}"/>
+              </a:ext>
+            </a:extLst>
+          </p:cNvPr>
+          <p:cNvSpPr/>
+          <p:nvPr/>
+        </p:nvSpPr>
+        <p:spPr>
+          <a:xfrm>
+            <a:off x="4063161" y="2997200"/>
+            <a:ext cx="1812505" cy="1289050"/>
+          </a:xfrm>
+          <a:prstGeom prst="rect">
+            <a:avLst/>
+          </a:prstGeom>
+          <a:solidFill>
+            <a:schemeClr val="accent4">
+              <a:lumMod val="20000"/>
+              <a:lumOff val="80000"/>
+            </a:schemeClr>
+          </a:solidFill>
+        </p:spPr>
+        <p:style>
+          <a:lnRef idx="2">
+            <a:schemeClr val="accent1">
+              <a:shade val="50000"/>
+            </a:schemeClr>
+          </a:lnRef>
+          <a:fillRef idx="1">
+            <a:schemeClr val="accent1"/>
+          </a:fillRef>
+          <a:effectRef idx="0">
+            <a:schemeClr val="accent1"/>
+          </a:effectRef>
+          <a:fontRef idx="minor">
+            <a:schemeClr val="lt1"/>
+          </a:fontRef>
+        </p:style>
+        <p:txBody>
+          <a:bodyPr rtlCol="0" anchor="t"/>
+          <a:lstStyle/>
+          <a:p>
+            <a:pPr algn="ctr"/>
+            <a:r>
+              <a:rPr lang="en-US" sz="1800" b="0" i="0" u="none" strike="noStrike" baseline="0" dirty="0">
+                <a:solidFill>
+                  <a:srgbClr val="000000"/>
+                </a:solidFill>
+                <a:latin typeface="Calibri" panose="020F0502020204030204" pitchFamily="34" charset="0"/>
+              </a:rPr>
+              <a:t>Snapshot</a:t>
+            </a:r>
+            <a:endParaRPr lang="th-TH" dirty="0"/>
+          </a:p>
+        </p:txBody>
+      </p:sp>
+      <p:sp>
+        <p:nvSpPr>
+          <p:cNvPr id="4" name="สี่เหลี่ยมผืนผ้า 3">
+            <a:extLst>
+              <a:ext uri="{FF2B5EF4-FFF2-40B4-BE49-F238E27FC236}">
+                <a16:creationId xmlns:a16="http://schemas.microsoft.com/office/drawing/2014/main" id="{B8743F6E-F9C5-9BBF-66E0-93C5E5991B9B}"/>
+              </a:ext>
+            </a:extLst>
+          </p:cNvPr>
+          <p:cNvSpPr/>
+          <p:nvPr/>
+        </p:nvSpPr>
+        <p:spPr>
+          <a:xfrm>
+            <a:off x="1095554" y="2355010"/>
+            <a:ext cx="2096219" cy="2009955"/>
+          </a:xfrm>
+          <a:prstGeom prst="rect">
+            <a:avLst/>
+          </a:prstGeom>
+          <a:solidFill>
+            <a:schemeClr val="accent5">
+              <a:lumMod val="20000"/>
+              <a:lumOff val="80000"/>
+            </a:schemeClr>
+          </a:solidFill>
+        </p:spPr>
+        <p:style>
+          <a:lnRef idx="2">
+            <a:schemeClr val="accent1">
+              <a:shade val="50000"/>
+            </a:schemeClr>
+          </a:lnRef>
+          <a:fillRef idx="1">
+            <a:schemeClr val="accent1"/>
+          </a:fillRef>
+          <a:effectRef idx="0">
+            <a:schemeClr val="accent1"/>
+          </a:effectRef>
+          <a:fontRef idx="minor">
+            <a:schemeClr val="lt1"/>
+          </a:fontRef>
+        </p:style>
+        <p:txBody>
+          <a:bodyPr rtlCol="0" anchor="t"/>
+          <a:lstStyle/>
+          <a:p>
+            <a:pPr algn="ctr"/>
+            <a:r>
+              <a:rPr lang="en-US" sz="1800" b="0" i="0" u="none" strike="noStrike" baseline="0" dirty="0">
+                <a:solidFill>
+                  <a:srgbClr val="000000"/>
+                </a:solidFill>
+                <a:latin typeface="Calibri" panose="020F0502020204030204" pitchFamily="34" charset="0"/>
+              </a:rPr>
+              <a:t>Working directory</a:t>
+            </a:r>
+            <a:endParaRPr lang="th-TH" dirty="0"/>
+          </a:p>
+        </p:txBody>
+      </p:sp>
+      <p:sp>
+        <p:nvSpPr>
+          <p:cNvPr id="5" name="สี่เหลี่ยมผืนผ้า 4">
+            <a:extLst>
+              <a:ext uri="{FF2B5EF4-FFF2-40B4-BE49-F238E27FC236}">
+                <a16:creationId xmlns:a16="http://schemas.microsoft.com/office/drawing/2014/main" id="{8B517A0E-3433-FB01-5842-7F969EF2E29E}"/>
+              </a:ext>
+            </a:extLst>
+          </p:cNvPr>
+          <p:cNvSpPr/>
+          <p:nvPr/>
+        </p:nvSpPr>
+        <p:spPr>
+          <a:xfrm>
+            <a:off x="1186489" y="2931272"/>
+            <a:ext cx="1914347" cy="354853"/>
+          </a:xfrm>
+          <a:prstGeom prst="rect">
+            <a:avLst/>
+          </a:prstGeom>
+          <a:solidFill>
+            <a:schemeClr val="bg1">
+              <a:lumMod val="85000"/>
+            </a:schemeClr>
+          </a:solidFill>
+        </p:spPr>
+        <p:style>
+          <a:lnRef idx="2">
+            <a:schemeClr val="accent1">
+              <a:shade val="50000"/>
+            </a:schemeClr>
+          </a:lnRef>
+          <a:fillRef idx="1">
+            <a:schemeClr val="accent1"/>
+          </a:fillRef>
+          <a:effectRef idx="0">
+            <a:schemeClr val="accent1"/>
+          </a:effectRef>
+          <a:fontRef idx="minor">
+            <a:schemeClr val="lt1"/>
+          </a:fontRef>
+        </p:style>
+        <p:txBody>
+          <a:bodyPr rtlCol="0" anchor="t"/>
+          <a:lstStyle/>
+          <a:p>
+            <a:pPr algn="ctr"/>
+            <a:r>
+              <a:rPr lang="en-US" sz="1800" b="0" i="0" u="none" strike="noStrike" baseline="0" dirty="0">
+                <a:solidFill>
+                  <a:srgbClr val="000000"/>
+                </a:solidFill>
+                <a:latin typeface="Calibri" panose="020F0502020204030204" pitchFamily="34" charset="0"/>
+              </a:rPr>
+              <a:t>Untrack files</a:t>
+            </a:r>
+            <a:endParaRPr lang="th-TH" dirty="0"/>
+          </a:p>
+        </p:txBody>
+      </p:sp>
+      <p:sp>
+        <p:nvSpPr>
+          <p:cNvPr id="6" name="สี่เหลี่ยมผืนผ้า 5">
+            <a:extLst>
+              <a:ext uri="{FF2B5EF4-FFF2-40B4-BE49-F238E27FC236}">
+                <a16:creationId xmlns:a16="http://schemas.microsoft.com/office/drawing/2014/main" id="{9308BEB7-CF37-21C9-E45A-4948A94E793B}"/>
+              </a:ext>
+            </a:extLst>
+          </p:cNvPr>
+          <p:cNvSpPr/>
+          <p:nvPr/>
+        </p:nvSpPr>
+        <p:spPr>
+          <a:xfrm>
+            <a:off x="1186489" y="3394449"/>
+            <a:ext cx="1914347" cy="354853"/>
+          </a:xfrm>
+          <a:prstGeom prst="rect">
+            <a:avLst/>
+          </a:prstGeom>
+          <a:solidFill>
+            <a:schemeClr val="accent6">
+              <a:lumMod val="20000"/>
+              <a:lumOff val="80000"/>
+            </a:schemeClr>
+          </a:solidFill>
+        </p:spPr>
+        <p:style>
+          <a:lnRef idx="2">
+            <a:schemeClr val="accent1">
+              <a:shade val="50000"/>
+            </a:schemeClr>
+          </a:lnRef>
+          <a:fillRef idx="1">
+            <a:schemeClr val="accent1"/>
+          </a:fillRef>
+          <a:effectRef idx="0">
+            <a:schemeClr val="accent1"/>
+          </a:effectRef>
+          <a:fontRef idx="minor">
+            <a:schemeClr val="lt1"/>
+          </a:fontRef>
+        </p:style>
+        <p:txBody>
+          <a:bodyPr rtlCol="0" anchor="t"/>
+          <a:lstStyle/>
+          <a:p>
+            <a:pPr algn="ctr"/>
+            <a:r>
+              <a:rPr lang="en-US" sz="1800" b="0" i="0" u="none" strike="noStrike" baseline="0" dirty="0">
+                <a:solidFill>
+                  <a:srgbClr val="000000"/>
+                </a:solidFill>
+                <a:latin typeface="Calibri" panose="020F0502020204030204" pitchFamily="34" charset="0"/>
+              </a:rPr>
+              <a:t>New files</a:t>
+            </a:r>
+            <a:endParaRPr lang="th-TH" dirty="0"/>
+          </a:p>
+        </p:txBody>
+      </p:sp>
+      <p:sp>
+        <p:nvSpPr>
+          <p:cNvPr id="7" name="สี่เหลี่ยมผืนผ้า 6">
+            <a:extLst>
+              <a:ext uri="{FF2B5EF4-FFF2-40B4-BE49-F238E27FC236}">
+                <a16:creationId xmlns:a16="http://schemas.microsoft.com/office/drawing/2014/main" id="{CCCAD189-FB06-AA83-9E83-772867B9946F}"/>
+              </a:ext>
+            </a:extLst>
+          </p:cNvPr>
+          <p:cNvSpPr/>
+          <p:nvPr/>
+        </p:nvSpPr>
+        <p:spPr>
+          <a:xfrm>
+            <a:off x="1186489" y="3854078"/>
+            <a:ext cx="1914347" cy="354853"/>
+          </a:xfrm>
+          <a:prstGeom prst="rect">
+            <a:avLst/>
+          </a:prstGeom>
+          <a:solidFill>
+            <a:schemeClr val="accent2">
+              <a:lumMod val="40000"/>
+              <a:lumOff val="60000"/>
+            </a:schemeClr>
+          </a:solidFill>
+        </p:spPr>
+        <p:style>
+          <a:lnRef idx="2">
+            <a:schemeClr val="accent1">
+              <a:shade val="50000"/>
+            </a:schemeClr>
+          </a:lnRef>
+          <a:fillRef idx="1">
+            <a:schemeClr val="accent1"/>
+          </a:fillRef>
+          <a:effectRef idx="0">
+            <a:schemeClr val="accent1"/>
+          </a:effectRef>
+          <a:fontRef idx="minor">
+            <a:schemeClr val="lt1"/>
+          </a:fontRef>
+        </p:style>
+        <p:txBody>
+          <a:bodyPr rtlCol="0" anchor="t"/>
+          <a:lstStyle/>
+          <a:p>
+            <a:pPr algn="ctr"/>
+            <a:r>
+              <a:rPr lang="en-US" sz="1800" b="0" i="0" u="none" strike="noStrike" baseline="0" dirty="0">
+                <a:solidFill>
+                  <a:srgbClr val="000000"/>
+                </a:solidFill>
+                <a:latin typeface="Calibri" panose="020F0502020204030204" pitchFamily="34" charset="0"/>
+              </a:rPr>
+              <a:t>Modified files</a:t>
+            </a:r>
+            <a:endParaRPr lang="th-TH" dirty="0"/>
+          </a:p>
+        </p:txBody>
+      </p:sp>
+      <p:sp>
+        <p:nvSpPr>
+          <p:cNvPr id="10" name="สี่เหลี่ยมผืนผ้า 9">
+            <a:extLst>
+              <a:ext uri="{FF2B5EF4-FFF2-40B4-BE49-F238E27FC236}">
+                <a16:creationId xmlns:a16="http://schemas.microsoft.com/office/drawing/2014/main" id="{C5F89B0B-0E6A-9B42-0B6E-B69E79101D1B}"/>
+              </a:ext>
+            </a:extLst>
+          </p:cNvPr>
+          <p:cNvSpPr/>
+          <p:nvPr/>
+        </p:nvSpPr>
+        <p:spPr>
+          <a:xfrm>
+            <a:off x="4184170" y="3394449"/>
+            <a:ext cx="1570486" cy="354853"/>
+          </a:xfrm>
+          <a:prstGeom prst="rect">
+            <a:avLst/>
+          </a:prstGeom>
+          <a:solidFill>
+            <a:schemeClr val="accent6">
+              <a:lumMod val="20000"/>
+              <a:lumOff val="80000"/>
+            </a:schemeClr>
+          </a:solidFill>
+        </p:spPr>
+        <p:style>
+          <a:lnRef idx="2">
+            <a:schemeClr val="accent1">
+              <a:shade val="50000"/>
+            </a:schemeClr>
+          </a:lnRef>
+          <a:fillRef idx="1">
+            <a:schemeClr val="accent1"/>
+          </a:fillRef>
+          <a:effectRef idx="0">
+            <a:schemeClr val="accent1"/>
+          </a:effectRef>
+          <a:fontRef idx="minor">
+            <a:schemeClr val="lt1"/>
+          </a:fontRef>
+        </p:style>
+        <p:txBody>
+          <a:bodyPr rtlCol="0" anchor="t"/>
+          <a:lstStyle/>
+          <a:p>
+            <a:pPr algn="ctr"/>
+            <a:r>
+              <a:rPr lang="en-US" sz="1800" b="0" i="0" u="none" strike="noStrike" baseline="0" dirty="0">
+                <a:solidFill>
+                  <a:srgbClr val="000000"/>
+                </a:solidFill>
+                <a:latin typeface="Calibri" panose="020F0502020204030204" pitchFamily="34" charset="0"/>
+              </a:rPr>
+              <a:t>New files</a:t>
+            </a:r>
+            <a:endParaRPr lang="th-TH" dirty="0"/>
+          </a:p>
+        </p:txBody>
+      </p:sp>
+      <p:sp>
+        <p:nvSpPr>
+          <p:cNvPr id="11" name="สี่เหลี่ยมผืนผ้า 10">
+            <a:extLst>
+              <a:ext uri="{FF2B5EF4-FFF2-40B4-BE49-F238E27FC236}">
+                <a16:creationId xmlns:a16="http://schemas.microsoft.com/office/drawing/2014/main" id="{16ACCA91-5529-189A-5E6A-84D4F41D3861}"/>
+              </a:ext>
+            </a:extLst>
+          </p:cNvPr>
+          <p:cNvSpPr/>
+          <p:nvPr/>
+        </p:nvSpPr>
+        <p:spPr>
+          <a:xfrm>
+            <a:off x="4184170" y="3854078"/>
+            <a:ext cx="1570486" cy="354853"/>
+          </a:xfrm>
+          <a:prstGeom prst="rect">
+            <a:avLst/>
+          </a:prstGeom>
+          <a:solidFill>
+            <a:schemeClr val="accent2">
+              <a:lumMod val="40000"/>
+              <a:lumOff val="60000"/>
+            </a:schemeClr>
+          </a:solidFill>
+        </p:spPr>
+        <p:style>
+          <a:lnRef idx="2">
+            <a:schemeClr val="accent1">
+              <a:shade val="50000"/>
+            </a:schemeClr>
+          </a:lnRef>
+          <a:fillRef idx="1">
+            <a:schemeClr val="accent1"/>
+          </a:fillRef>
+          <a:effectRef idx="0">
+            <a:schemeClr val="accent1"/>
+          </a:effectRef>
+          <a:fontRef idx="minor">
+            <a:schemeClr val="lt1"/>
+          </a:fontRef>
+        </p:style>
+        <p:txBody>
+          <a:bodyPr rtlCol="0" anchor="t"/>
+          <a:lstStyle/>
+          <a:p>
+            <a:pPr algn="ctr"/>
+            <a:r>
+              <a:rPr lang="en-US" sz="1800" b="0" i="0" u="none" strike="noStrike" baseline="0" dirty="0">
+                <a:solidFill>
+                  <a:srgbClr val="000000"/>
+                </a:solidFill>
+                <a:latin typeface="Calibri" panose="020F0502020204030204" pitchFamily="34" charset="0"/>
+              </a:rPr>
+              <a:t>Modified files</a:t>
+            </a:r>
+            <a:endParaRPr lang="th-TH" dirty="0"/>
+          </a:p>
+        </p:txBody>
+      </p:sp>
+      <p:sp>
+        <p:nvSpPr>
+          <p:cNvPr id="13" name="ลูกศร: ขวา 12">
+            <a:extLst>
+              <a:ext uri="{FF2B5EF4-FFF2-40B4-BE49-F238E27FC236}">
+                <a16:creationId xmlns:a16="http://schemas.microsoft.com/office/drawing/2014/main" id="{A003A849-163E-C483-303D-528920814786}"/>
+              </a:ext>
+            </a:extLst>
+          </p:cNvPr>
+          <p:cNvSpPr/>
+          <p:nvPr/>
+        </p:nvSpPr>
+        <p:spPr>
+          <a:xfrm>
+            <a:off x="3100836" y="3473450"/>
+            <a:ext cx="1083334" cy="196850"/>
+          </a:xfrm>
+          <a:prstGeom prst="rightArrow">
+            <a:avLst/>
+          </a:prstGeom>
+          <a:solidFill>
+            <a:schemeClr val="accent4">
+              <a:lumMod val="60000"/>
+              <a:lumOff val="40000"/>
+            </a:schemeClr>
+          </a:solidFill>
+        </p:spPr>
+        <p:style>
+          <a:lnRef idx="2">
+            <a:schemeClr val="accent1">
+              <a:shade val="50000"/>
+            </a:schemeClr>
+          </a:lnRef>
+          <a:fillRef idx="1">
+            <a:schemeClr val="accent1"/>
+          </a:fillRef>
+          <a:effectRef idx="0">
+            <a:schemeClr val="accent1"/>
+          </a:effectRef>
+          <a:fontRef idx="minor">
+            <a:schemeClr val="lt1"/>
+          </a:fontRef>
+        </p:style>
+        <p:txBody>
+          <a:bodyPr rtlCol="0" anchor="ctr"/>
+          <a:lstStyle/>
+          <a:p>
+            <a:pPr algn="ctr"/>
+            <a:endParaRPr lang="th-TH"/>
+          </a:p>
+        </p:txBody>
+      </p:sp>
+      <p:sp>
+        <p:nvSpPr>
+          <p:cNvPr id="14" name="ลูกศร: ขวา 13">
+            <a:extLst>
+              <a:ext uri="{FF2B5EF4-FFF2-40B4-BE49-F238E27FC236}">
+                <a16:creationId xmlns:a16="http://schemas.microsoft.com/office/drawing/2014/main" id="{931A08AE-AE67-9B17-8868-7E353154E98B}"/>
+              </a:ext>
+            </a:extLst>
+          </p:cNvPr>
+          <p:cNvSpPr/>
+          <p:nvPr/>
+        </p:nvSpPr>
+        <p:spPr>
+          <a:xfrm>
+            <a:off x="3100836" y="3933079"/>
+            <a:ext cx="1083334" cy="196850"/>
+          </a:xfrm>
+          <a:prstGeom prst="rightArrow">
+            <a:avLst/>
+          </a:prstGeom>
+          <a:solidFill>
+            <a:schemeClr val="accent4">
+              <a:lumMod val="60000"/>
+              <a:lumOff val="40000"/>
+            </a:schemeClr>
+          </a:solidFill>
+        </p:spPr>
+        <p:style>
+          <a:lnRef idx="2">
+            <a:schemeClr val="accent1">
+              <a:shade val="50000"/>
+            </a:schemeClr>
+          </a:lnRef>
+          <a:fillRef idx="1">
+            <a:schemeClr val="accent1"/>
+          </a:fillRef>
+          <a:effectRef idx="0">
+            <a:schemeClr val="accent1"/>
+          </a:effectRef>
+          <a:fontRef idx="minor">
+            <a:schemeClr val="lt1"/>
+          </a:fontRef>
+        </p:style>
+        <p:txBody>
+          <a:bodyPr rtlCol="0" anchor="ctr"/>
+          <a:lstStyle/>
+          <a:p>
+            <a:pPr algn="ctr"/>
+            <a:endParaRPr lang="th-TH"/>
+          </a:p>
+        </p:txBody>
+      </p:sp>
+      <p:sp>
+        <p:nvSpPr>
+          <p:cNvPr id="15" name="สี่เหลี่ยมผืนผ้า 14">
+            <a:extLst>
+              <a:ext uri="{FF2B5EF4-FFF2-40B4-BE49-F238E27FC236}">
+                <a16:creationId xmlns:a16="http://schemas.microsoft.com/office/drawing/2014/main" id="{603A49DF-7582-BF65-C38F-DF8B981E1096}"/>
+              </a:ext>
+            </a:extLst>
+          </p:cNvPr>
+          <p:cNvSpPr/>
+          <p:nvPr/>
+        </p:nvSpPr>
+        <p:spPr>
+          <a:xfrm>
+            <a:off x="6756820" y="2697480"/>
+            <a:ext cx="2096219" cy="1667485"/>
+          </a:xfrm>
+          <a:prstGeom prst="rect">
+            <a:avLst/>
+          </a:prstGeom>
+          <a:solidFill>
+            <a:schemeClr val="tx2">
+              <a:lumMod val="20000"/>
+              <a:lumOff val="80000"/>
+            </a:schemeClr>
+          </a:solidFill>
+        </p:spPr>
+        <p:style>
+          <a:lnRef idx="2">
+            <a:schemeClr val="accent1">
+              <a:shade val="50000"/>
+            </a:schemeClr>
+          </a:lnRef>
+          <a:fillRef idx="1">
+            <a:schemeClr val="accent1"/>
+          </a:fillRef>
+          <a:effectRef idx="0">
+            <a:schemeClr val="accent1"/>
+          </a:effectRef>
+          <a:fontRef idx="minor">
+            <a:schemeClr val="lt1"/>
+          </a:fontRef>
+        </p:style>
+        <p:txBody>
+          <a:bodyPr rtlCol="0" anchor="t"/>
+          <a:lstStyle/>
+          <a:p>
+            <a:pPr algn="ctr"/>
+            <a:r>
+              <a:rPr lang="en-US" sz="1800" b="0" i="0" u="none" strike="noStrike" baseline="0" dirty="0">
+                <a:solidFill>
+                  <a:srgbClr val="000000"/>
+                </a:solidFill>
+                <a:latin typeface="Calibri" panose="020F0502020204030204" pitchFamily="34" charset="0"/>
+              </a:rPr>
+              <a:t>Branch main</a:t>
+            </a:r>
+            <a:endParaRPr lang="th-TH" dirty="0"/>
+          </a:p>
+        </p:txBody>
+      </p:sp>
+      <p:sp>
+        <p:nvSpPr>
+          <p:cNvPr id="19" name="สี่เหลี่ยมผืนผ้า 18">
+            <a:extLst>
+              <a:ext uri="{FF2B5EF4-FFF2-40B4-BE49-F238E27FC236}">
+                <a16:creationId xmlns:a16="http://schemas.microsoft.com/office/drawing/2014/main" id="{DAABEB57-45C0-9119-523E-B27AFBE6A97A}"/>
+              </a:ext>
+            </a:extLst>
+          </p:cNvPr>
+          <p:cNvSpPr/>
+          <p:nvPr/>
+        </p:nvSpPr>
+        <p:spPr>
+          <a:xfrm>
+            <a:off x="6892386" y="3075828"/>
+            <a:ext cx="1825087" cy="1210421"/>
+          </a:xfrm>
+          <a:prstGeom prst="rect">
+            <a:avLst/>
+          </a:prstGeom>
+          <a:solidFill>
+            <a:schemeClr val="accent6">
+              <a:lumMod val="40000"/>
+              <a:lumOff val="60000"/>
+            </a:schemeClr>
+          </a:solidFill>
+        </p:spPr>
+        <p:style>
+          <a:lnRef idx="2">
+            <a:schemeClr val="accent1">
+              <a:shade val="50000"/>
+            </a:schemeClr>
+          </a:lnRef>
+          <a:fillRef idx="1">
+            <a:schemeClr val="accent1"/>
+          </a:fillRef>
+          <a:effectRef idx="0">
+            <a:schemeClr val="accent1"/>
+          </a:effectRef>
+          <a:fontRef idx="minor">
+            <a:schemeClr val="lt1"/>
+          </a:fontRef>
+        </p:style>
+        <p:txBody>
+          <a:bodyPr rtlCol="0" anchor="t"/>
+          <a:lstStyle/>
+          <a:p>
+            <a:pPr algn="ctr"/>
+            <a:r>
+              <a:rPr lang="en-US" sz="1800" b="0" i="0" u="none" strike="noStrike" baseline="0" dirty="0">
+                <a:solidFill>
+                  <a:srgbClr val="000000"/>
+                </a:solidFill>
+                <a:latin typeface="Calibri" panose="020F0502020204030204" pitchFamily="34" charset="0"/>
+              </a:rPr>
+              <a:t>Commit data</a:t>
+            </a:r>
+            <a:endParaRPr lang="th-TH" dirty="0"/>
+          </a:p>
+        </p:txBody>
+      </p:sp>
+      <p:sp>
+        <p:nvSpPr>
+          <p:cNvPr id="16" name="สี่เหลี่ยมผืนผ้า 15">
+            <a:extLst>
+              <a:ext uri="{FF2B5EF4-FFF2-40B4-BE49-F238E27FC236}">
+                <a16:creationId xmlns:a16="http://schemas.microsoft.com/office/drawing/2014/main" id="{E89E984E-B680-36A3-1946-5CCA32130539}"/>
+              </a:ext>
+            </a:extLst>
+          </p:cNvPr>
+          <p:cNvSpPr/>
+          <p:nvPr/>
+        </p:nvSpPr>
+        <p:spPr>
+          <a:xfrm>
+            <a:off x="7150879" y="3394449"/>
+            <a:ext cx="1308100" cy="783478"/>
+          </a:xfrm>
+          <a:prstGeom prst="rect">
+            <a:avLst/>
+          </a:prstGeom>
+          <a:solidFill>
+            <a:schemeClr val="accent4">
+              <a:lumMod val="20000"/>
+              <a:lumOff val="80000"/>
+            </a:schemeClr>
+          </a:solidFill>
+        </p:spPr>
+        <p:style>
+          <a:lnRef idx="2">
+            <a:schemeClr val="accent1">
+              <a:shade val="50000"/>
+            </a:schemeClr>
+          </a:lnRef>
+          <a:fillRef idx="1">
+            <a:schemeClr val="accent1"/>
+          </a:fillRef>
+          <a:effectRef idx="0">
+            <a:schemeClr val="accent1"/>
+          </a:effectRef>
+          <a:fontRef idx="minor">
+            <a:schemeClr val="lt1"/>
+          </a:fontRef>
+        </p:style>
+        <p:txBody>
+          <a:bodyPr rtlCol="0" anchor="t"/>
+          <a:lstStyle/>
+          <a:p>
+            <a:pPr algn="ctr"/>
+            <a:r>
+              <a:rPr lang="en-US" sz="1800" b="0" i="0" u="none" strike="noStrike" baseline="0" dirty="0">
+                <a:solidFill>
+                  <a:srgbClr val="000000"/>
+                </a:solidFill>
+                <a:latin typeface="Calibri" panose="020F0502020204030204" pitchFamily="34" charset="0"/>
+              </a:rPr>
+              <a:t>Data</a:t>
+            </a:r>
+            <a:endParaRPr lang="th-TH" dirty="0"/>
+          </a:p>
+        </p:txBody>
+      </p:sp>
+      <p:sp>
+        <p:nvSpPr>
+          <p:cNvPr id="20" name="ลูกศร: ขวา 19">
+            <a:extLst>
+              <a:ext uri="{FF2B5EF4-FFF2-40B4-BE49-F238E27FC236}">
+                <a16:creationId xmlns:a16="http://schemas.microsoft.com/office/drawing/2014/main" id="{FE0404DF-428B-7F48-1C17-D009FFD9D813}"/>
+              </a:ext>
+            </a:extLst>
+          </p:cNvPr>
+          <p:cNvSpPr/>
+          <p:nvPr/>
+        </p:nvSpPr>
+        <p:spPr>
+          <a:xfrm>
+            <a:off x="5875665" y="3687763"/>
+            <a:ext cx="1265448" cy="196850"/>
+          </a:xfrm>
+          <a:prstGeom prst="rightArrow">
+            <a:avLst/>
+          </a:prstGeom>
+          <a:solidFill>
+            <a:schemeClr val="accent4">
+              <a:lumMod val="60000"/>
+              <a:lumOff val="40000"/>
+            </a:schemeClr>
+          </a:solidFill>
+        </p:spPr>
+        <p:style>
+          <a:lnRef idx="2">
+            <a:schemeClr val="accent1">
+              <a:shade val="50000"/>
+            </a:schemeClr>
+          </a:lnRef>
+          <a:fillRef idx="1">
+            <a:schemeClr val="accent1"/>
+          </a:fillRef>
+          <a:effectRef idx="0">
+            <a:schemeClr val="accent1"/>
+          </a:effectRef>
+          <a:fontRef idx="minor">
+            <a:schemeClr val="lt1"/>
+          </a:fontRef>
+        </p:style>
+        <p:txBody>
+          <a:bodyPr rtlCol="0" anchor="ctr"/>
+          <a:lstStyle/>
+          <a:p>
+            <a:pPr algn="ctr"/>
+            <a:endParaRPr lang="th-TH"/>
+          </a:p>
+        </p:txBody>
+      </p:sp>
+      <p:sp>
+        <p:nvSpPr>
+          <p:cNvPr id="22" name="กล่องข้อความ 21">
+            <a:extLst>
+              <a:ext uri="{FF2B5EF4-FFF2-40B4-BE49-F238E27FC236}">
+                <a16:creationId xmlns:a16="http://schemas.microsoft.com/office/drawing/2014/main" id="{D59C6D00-3604-DFFC-84B2-8917D40E87F5}"/>
+              </a:ext>
+            </a:extLst>
+          </p:cNvPr>
+          <p:cNvSpPr txBox="1"/>
+          <p:nvPr/>
+        </p:nvSpPr>
+        <p:spPr>
+          <a:xfrm>
+            <a:off x="2143662" y="4783349"/>
+            <a:ext cx="2159000" cy="276999"/>
+          </a:xfrm>
+          <a:prstGeom prst="rect">
+            <a:avLst/>
+          </a:prstGeom>
+          <a:solidFill>
+            <a:schemeClr val="accent4">
+              <a:lumMod val="20000"/>
+              <a:lumOff val="80000"/>
+            </a:schemeClr>
+          </a:solidFill>
+          <a:ln>
+            <a:solidFill>
+              <a:schemeClr val="accent1"/>
+            </a:solidFill>
+          </a:ln>
+        </p:spPr>
+        <p:txBody>
+          <a:bodyPr wrap="square" rtlCol="0">
+            <a:spAutoFit/>
+          </a:bodyPr>
+          <a:lstStyle/>
+          <a:p>
+            <a:r>
+              <a:rPr lang="en-US" sz="1200" dirty="0">
+                <a:latin typeface="Consolas" panose="020B0609020204030204" pitchFamily="49" charset="0"/>
+              </a:rPr>
+              <a:t>$ git add &lt;files&gt;</a:t>
+            </a:r>
+            <a:endParaRPr lang="th-TH" sz="1200" dirty="0">
+              <a:latin typeface="Consolas" panose="020B0609020204030204" pitchFamily="49" charset="0"/>
+            </a:endParaRPr>
+          </a:p>
+        </p:txBody>
+      </p:sp>
+      <p:sp>
+        <p:nvSpPr>
+          <p:cNvPr id="23" name="กล่องข้อความ 22">
+            <a:extLst>
+              <a:ext uri="{FF2B5EF4-FFF2-40B4-BE49-F238E27FC236}">
+                <a16:creationId xmlns:a16="http://schemas.microsoft.com/office/drawing/2014/main" id="{592D21BD-773A-BC94-512D-6FDA9A5D5114}"/>
+              </a:ext>
+            </a:extLst>
+          </p:cNvPr>
+          <p:cNvSpPr txBox="1"/>
+          <p:nvPr/>
+        </p:nvSpPr>
+        <p:spPr>
+          <a:xfrm>
+            <a:off x="4564570" y="4783349"/>
+            <a:ext cx="3908246" cy="276999"/>
+          </a:xfrm>
+          <a:prstGeom prst="rect">
+            <a:avLst/>
+          </a:prstGeom>
+          <a:solidFill>
+            <a:schemeClr val="accent4">
+              <a:lumMod val="20000"/>
+              <a:lumOff val="80000"/>
+            </a:schemeClr>
+          </a:solidFill>
+          <a:ln>
+            <a:solidFill>
+              <a:schemeClr val="accent1"/>
+            </a:solidFill>
+          </a:ln>
+        </p:spPr>
+        <p:txBody>
+          <a:bodyPr wrap="square" rtlCol="0">
+            <a:spAutoFit/>
+          </a:bodyPr>
+          <a:lstStyle/>
+          <a:p>
+            <a:r>
+              <a:rPr lang="en-US" sz="1200" dirty="0">
+                <a:latin typeface="Consolas" panose="020B0609020204030204" pitchFamily="49" charset="0"/>
+              </a:rPr>
+              <a:t>$ git commit –m “commit message”</a:t>
+            </a:r>
+            <a:endParaRPr lang="th-TH" sz="1200" dirty="0">
+              <a:latin typeface="Consolas" panose="020B0609020204030204" pitchFamily="49" charset="0"/>
+            </a:endParaRPr>
+          </a:p>
+        </p:txBody>
+      </p:sp>
+      <p:cxnSp>
+        <p:nvCxnSpPr>
+          <p:cNvPr id="25" name="ลูกศรเชื่อมต่อแบบตรง 24">
+            <a:extLst>
+              <a:ext uri="{FF2B5EF4-FFF2-40B4-BE49-F238E27FC236}">
+                <a16:creationId xmlns:a16="http://schemas.microsoft.com/office/drawing/2014/main" id="{74A4CF00-EC74-496A-4E2B-AF8431BEE3A6}"/>
+              </a:ext>
+            </a:extLst>
+          </p:cNvPr>
+          <p:cNvCxnSpPr>
+            <a:stCxn id="22" idx="0"/>
+          </p:cNvCxnSpPr>
+          <p:nvPr/>
+        </p:nvCxnSpPr>
+        <p:spPr>
+          <a:xfrm flipV="1">
+            <a:off x="3223162" y="4129929"/>
+            <a:ext cx="332838" cy="653420"/>
+          </a:xfrm>
+          <a:prstGeom prst="straightConnector1">
+            <a:avLst/>
+          </a:prstGeom>
+          <a:ln w="19050">
+            <a:tailEnd type="triangle"/>
+          </a:ln>
+        </p:spPr>
+        <p:style>
+          <a:lnRef idx="1">
+            <a:schemeClr val="accent1"/>
+          </a:lnRef>
+          <a:fillRef idx="0">
+            <a:schemeClr val="accent1"/>
+          </a:fillRef>
+          <a:effectRef idx="0">
+            <a:schemeClr val="accent1"/>
+          </a:effectRef>
+          <a:fontRef idx="minor">
+            <a:schemeClr val="tx1"/>
+          </a:fontRef>
+        </p:style>
+      </p:cxnSp>
+      <p:cxnSp>
+        <p:nvCxnSpPr>
+          <p:cNvPr id="26" name="ลูกศรเชื่อมต่อแบบตรง 25">
+            <a:extLst>
+              <a:ext uri="{FF2B5EF4-FFF2-40B4-BE49-F238E27FC236}">
+                <a16:creationId xmlns:a16="http://schemas.microsoft.com/office/drawing/2014/main" id="{529EAB6F-8C91-AE29-B41C-7D1D91E623EA}"/>
+              </a:ext>
+            </a:extLst>
+          </p:cNvPr>
+          <p:cNvCxnSpPr>
+            <a:cxnSpLocks/>
+            <a:stCxn id="23" idx="0"/>
+          </p:cNvCxnSpPr>
+          <p:nvPr/>
+        </p:nvCxnSpPr>
+        <p:spPr>
+          <a:xfrm flipH="1" flipV="1">
+            <a:off x="6277874" y="3875711"/>
+            <a:ext cx="240819" cy="907638"/>
+          </a:xfrm>
+          <a:prstGeom prst="straightConnector1">
+            <a:avLst/>
+          </a:prstGeom>
+          <a:ln w="19050">
+            <a:tailEnd type="triangle"/>
+          </a:ln>
+        </p:spPr>
+        <p:style>
+          <a:lnRef idx="1">
+            <a:schemeClr val="accent1"/>
+          </a:lnRef>
+          <a:fillRef idx="0">
+            <a:schemeClr val="accent1"/>
+          </a:fillRef>
+          <a:effectRef idx="0">
+            <a:schemeClr val="accent1"/>
+          </a:effectRef>
+          <a:fontRef idx="minor">
+            <a:schemeClr val="tx1"/>
+          </a:fontRef>
+        </p:style>
+      </p:cxnSp>
     </p:spTree>
     <p:extLst>
       <p:ext uri="{BB962C8B-B14F-4D97-AF65-F5344CB8AC3E}">
